--- a/image/figures.pptx
+++ b/image/figures.pptx
@@ -5,7 +5,7 @@
     <p:sldMasterId id="2147483659" r:id="rId1"/>
   </p:sldMasterIdLst>
   <p:notesMasterIdLst>
-    <p:notesMasterId r:id="rId9"/>
+    <p:notesMasterId r:id="rId10"/>
   </p:notesMasterIdLst>
   <p:sldIdLst>
     <p:sldId id="268" r:id="rId2"/>
@@ -15,34 +15,35 @@
     <p:sldId id="269" r:id="rId6"/>
     <p:sldId id="265" r:id="rId7"/>
     <p:sldId id="267" r:id="rId8"/>
+    <p:sldId id="273" r:id="rId9"/>
   </p:sldIdLst>
   <p:sldSz cx="6858000" cy="5143500"/>
   <p:notesSz cx="6858000" cy="9144000"/>
   <p:embeddedFontLst>
     <p:embeddedFont>
       <p:font typeface="Cambria Math" panose="02040503050406030204" pitchFamily="18" charset="0"/>
-      <p:regular r:id="rId10"/>
+      <p:regular r:id="rId11"/>
     </p:embeddedFont>
     <p:embeddedFont>
       <p:font typeface="Consolas" panose="020B0609020204030204" pitchFamily="49" charset="0"/>
-      <p:regular r:id="rId11"/>
-      <p:bold r:id="rId12"/>
-      <p:italic r:id="rId13"/>
-      <p:boldItalic r:id="rId14"/>
+      <p:regular r:id="rId12"/>
+      <p:bold r:id="rId13"/>
+      <p:italic r:id="rId14"/>
+      <p:boldItalic r:id="rId15"/>
     </p:embeddedFont>
     <p:embeddedFont>
       <p:font typeface="Work Sans" panose="02010600030101010101" charset="0"/>
-      <p:regular r:id="rId15"/>
-      <p:bold r:id="rId16"/>
+      <p:regular r:id="rId16"/>
+      <p:bold r:id="rId17"/>
     </p:embeddedFont>
     <p:embeddedFont>
       <p:font typeface="等线" panose="02010600030101010101" pitchFamily="2" charset="-122"/>
-      <p:regular r:id="rId17"/>
-      <p:bold r:id="rId18"/>
+      <p:regular r:id="rId18"/>
+      <p:bold r:id="rId19"/>
     </p:embeddedFont>
     <p:embeddedFont>
       <p:font typeface="等线 Light" panose="02010600030101010101" pitchFamily="2" charset="-122"/>
-      <p:regular r:id="rId19"/>
+      <p:regular r:id="rId20"/>
     </p:embeddedFont>
   </p:embeddedFontLst>
   <p:defaultTextStyle>
@@ -1251,6 +1252,136 @@
     <p:extLst>
       <p:ext uri="{BB962C8B-B14F-4D97-AF65-F5344CB8AC3E}">
         <p14:creationId xmlns:p14="http://schemas.microsoft.com/office/powerpoint/2010/main" val="293903168"/>
+      </p:ext>
+    </p:extLst>
+  </p:cSld>
+  <p:clrMapOvr>
+    <a:masterClrMapping/>
+  </p:clrMapOvr>
+</p:notes>
+</file>
+
+<file path=ppt/notesSlides/notesSlide8.xml><?xml version="1.0" encoding="utf-8"?>
+<p:notes xmlns:a="http://schemas.openxmlformats.org/drawingml/2006/main" xmlns:r="http://schemas.openxmlformats.org/officeDocument/2006/relationships" xmlns:p="http://schemas.openxmlformats.org/presentationml/2006/main" showMasterSp="0" showMasterPhAnim="0">
+  <p:cSld>
+    <p:spTree>
+      <p:nvGrpSpPr>
+        <p:cNvPr id="1" name="Shape 155"/>
+        <p:cNvGrpSpPr/>
+        <p:nvPr/>
+      </p:nvGrpSpPr>
+      <p:grpSpPr>
+        <a:xfrm>
+          <a:off x="0" y="0"/>
+          <a:ext cx="0" cy="0"/>
+          <a:chOff x="0" y="0"/>
+          <a:chExt cx="0" cy="0"/>
+        </a:xfrm>
+      </p:grpSpPr>
+      <p:sp>
+        <p:nvSpPr>
+          <p:cNvPr id="156" name="Shape 156"/>
+          <p:cNvSpPr>
+            <a:spLocks noGrp="1" noRot="1" noChangeAspect="1"/>
+          </p:cNvSpPr>
+          <p:nvPr>
+            <p:ph type="sldImg" idx="2"/>
+          </p:nvPr>
+        </p:nvSpPr>
+        <p:spPr>
+          <a:xfrm>
+            <a:off x="1143000" y="685800"/>
+            <a:ext cx="4572000" cy="3429000"/>
+          </a:xfrm>
+          <a:custGeom>
+            <a:avLst/>
+            <a:gdLst/>
+            <a:ahLst/>
+            <a:cxnLst/>
+            <a:rect l="0" t="0" r="0" b="0"/>
+            <a:pathLst>
+              <a:path w="120000" h="120000" extrusionOk="0">
+                <a:moveTo>
+                  <a:pt x="0" y="0"/>
+                </a:moveTo>
+                <a:lnTo>
+                  <a:pt x="120000" y="0"/>
+                </a:lnTo>
+                <a:lnTo>
+                  <a:pt x="120000" y="120000"/>
+                </a:lnTo>
+                <a:lnTo>
+                  <a:pt x="0" y="120000"/>
+                </a:lnTo>
+                <a:close/>
+              </a:path>
+            </a:pathLst>
+          </a:custGeom>
+        </p:spPr>
+      </p:sp>
+      <p:sp>
+        <p:nvSpPr>
+          <p:cNvPr id="157" name="Shape 157"/>
+          <p:cNvSpPr txBox="1">
+            <a:spLocks noGrp="1"/>
+          </p:cNvSpPr>
+          <p:nvPr>
+            <p:ph type="body" idx="1"/>
+          </p:nvPr>
+        </p:nvSpPr>
+        <p:spPr>
+          <a:xfrm>
+            <a:off x="685800" y="4343400"/>
+            <a:ext cx="5486400" cy="4114800"/>
+          </a:xfrm>
+          <a:prstGeom prst="rect">
+            <a:avLst/>
+          </a:prstGeom>
+        </p:spPr>
+        <p:txBody>
+          <a:bodyPr wrap="square" lIns="91425" tIns="91425" rIns="91425" bIns="91425" anchor="t" anchorCtr="0">
+            <a:noAutofit/>
+          </a:bodyPr>
+          <a:lstStyle/>
+          <a:p>
+            <a:pPr marL="0" marR="0" lvl="0" indent="0" algn="l" defTabSz="914400" rtl="0" eaLnBrk="1" fontAlgn="auto" latinLnBrk="0" hangingPunct="1">
+              <a:lnSpc>
+                <a:spcPct val="100000"/>
+              </a:lnSpc>
+              <a:spcBef>
+                <a:spcPts val="0"/>
+              </a:spcBef>
+              <a:spcAft>
+                <a:spcPts val="0"/>
+              </a:spcAft>
+              <a:buClrTx/>
+              <a:buSzTx/>
+              <a:buFontTx/>
+              <a:buNone/>
+              <a:tabLst/>
+              <a:defRPr/>
+            </a:pPr>
+            <a:r>
+              <a:rPr lang="en-US" altLang="zh-CN" dirty="0" err="1"/>
+              <a:t>RCNNVariant</a:t>
+            </a:r>
+            <a:endParaRPr lang="en-US" altLang="zh-CN" dirty="0"/>
+          </a:p>
+          <a:p>
+            <a:pPr lvl="0" rtl="0">
+              <a:spcBef>
+                <a:spcPts val="0"/>
+              </a:spcBef>
+              <a:buNone/>
+            </a:pPr>
+            <a:endParaRPr lang="en-US" altLang="zh-CN" dirty="0"/>
+          </a:p>
+        </p:txBody>
+      </p:sp>
+    </p:spTree>
+    <p:extLst>
+      <p:ext uri="{BB962C8B-B14F-4D97-AF65-F5344CB8AC3E}">
+        <p14:creationId xmlns:p14="http://schemas.microsoft.com/office/powerpoint/2010/main" val="3904329254"/>
       </p:ext>
     </p:extLst>
   </p:cSld>
@@ -13731,6 +13862,1801 @@
 </p:sld>
 </file>
 
+<file path=ppt/slides/slide8.xml><?xml version="1.0" encoding="utf-8"?>
+<p:sld xmlns:a="http://schemas.openxmlformats.org/drawingml/2006/main" xmlns:r="http://schemas.openxmlformats.org/officeDocument/2006/relationships" xmlns:p="http://schemas.openxmlformats.org/presentationml/2006/main">
+  <p:cSld>
+    <p:spTree>
+      <p:nvGrpSpPr>
+        <p:cNvPr id="1" name="Shape 158"/>
+        <p:cNvGrpSpPr/>
+        <p:nvPr/>
+      </p:nvGrpSpPr>
+      <p:grpSpPr>
+        <a:xfrm>
+          <a:off x="0" y="0"/>
+          <a:ext cx="0" cy="0"/>
+          <a:chOff x="0" y="0"/>
+          <a:chExt cx="0" cy="0"/>
+        </a:xfrm>
+      </p:grpSpPr>
+      <p:grpSp>
+        <p:nvGrpSpPr>
+          <p:cNvPr id="68" name="组合 67">
+            <a:extLst>
+              <a:ext uri="{FF2B5EF4-FFF2-40B4-BE49-F238E27FC236}">
+                <a16:creationId xmlns:a16="http://schemas.microsoft.com/office/drawing/2014/main" id="{7BFB9057-8A7B-4625-B050-38C0AA6ABD58}"/>
+              </a:ext>
+            </a:extLst>
+          </p:cNvPr>
+          <p:cNvGrpSpPr/>
+          <p:nvPr/>
+        </p:nvGrpSpPr>
+        <p:grpSpPr>
+          <a:xfrm>
+            <a:off x="973806" y="570976"/>
+            <a:ext cx="4910387" cy="4001547"/>
+            <a:chOff x="973806" y="338270"/>
+            <a:chExt cx="4910387" cy="4001547"/>
+          </a:xfrm>
+        </p:grpSpPr>
+        <mc:AlternateContent xmlns:mc="http://schemas.openxmlformats.org/markup-compatibility/2006">
+          <mc:Choice xmlns:a14="http://schemas.microsoft.com/office/drawing/2010/main" Requires="a14">
+            <p:sp>
+              <p:nvSpPr>
+                <p:cNvPr id="4" name="矩形: 圆角 3">
+                  <a:extLst>
+                    <a:ext uri="{FF2B5EF4-FFF2-40B4-BE49-F238E27FC236}">
+                      <a16:creationId xmlns:a16="http://schemas.microsoft.com/office/drawing/2014/main" id="{76AD63DA-0675-45D8-AFE2-73C2907E467E}"/>
+                    </a:ext>
+                  </a:extLst>
+                </p:cNvPr>
+                <p:cNvSpPr/>
+                <p:nvPr/>
+              </p:nvSpPr>
+              <p:spPr>
+                <a:xfrm>
+                  <a:off x="973806" y="4056009"/>
+                  <a:ext cx="4910384" cy="283808"/>
+                </a:xfrm>
+                <a:prstGeom prst="roundRect">
+                  <a:avLst>
+                    <a:gd name="adj" fmla="val 50000"/>
+                  </a:avLst>
+                </a:prstGeom>
+                <a:ln w="9525">
+                  <a:solidFill>
+                    <a:schemeClr val="tx1"/>
+                  </a:solidFill>
+                  <a:headEnd type="none" w="med" len="med"/>
+                  <a:tailEnd type="triangle" w="med" len="med"/>
+                </a:ln>
+                <a:effectLst>
+                  <a:outerShdw blurRad="50800" dist="38100" dir="2700000" algn="tl" rotWithShape="0">
+                    <a:prstClr val="black">
+                      <a:alpha val="40000"/>
+                    </a:prstClr>
+                  </a:outerShdw>
+                </a:effectLst>
+              </p:spPr>
+              <p:style>
+                <a:lnRef idx="2">
+                  <a:schemeClr val="dk1"/>
+                </a:lnRef>
+                <a:fillRef idx="1">
+                  <a:schemeClr val="lt1"/>
+                </a:fillRef>
+                <a:effectRef idx="0">
+                  <a:schemeClr val="dk1"/>
+                </a:effectRef>
+                <a:fontRef idx="minor">
+                  <a:schemeClr val="dk1"/>
+                </a:fontRef>
+              </p:style>
+              <p:txBody>
+                <a:bodyPr rtlCol="0" anchor="ctr"/>
+                <a:lstStyle/>
+                <a:p>
+                  <a:pPr algn="ctr"/>
+                  <a14:m>
+                    <m:oMath xmlns:m="http://schemas.openxmlformats.org/officeDocument/2006/math">
+                      <m:sSub>
+                        <m:sSubPr>
+                          <m:ctrlPr>
+                            <a:rPr lang="en-US" altLang="zh-CN" sz="1100" i="1" dirty="0" smtClean="0">
+                              <a:latin typeface="Cambria Math" panose="02040503050406030204" pitchFamily="18" charset="0"/>
+                            </a:rPr>
+                          </m:ctrlPr>
+                        </m:sSubPr>
+                        <m:e>
+                          <m:r>
+                            <a:rPr lang="en-US" altLang="zh-CN" sz="1100" i="1" dirty="0" smtClean="0">
+                              <a:latin typeface="Cambria Math" panose="02040503050406030204" pitchFamily="18" charset="0"/>
+                            </a:rPr>
+                            <m:t>𝑤</m:t>
+                          </m:r>
+                        </m:e>
+                        <m:sub>
+                          <m:r>
+                            <a:rPr lang="en-US" altLang="zh-CN" sz="1100" i="1" dirty="0" smtClean="0">
+                              <a:latin typeface="Cambria Math" panose="02040503050406030204" pitchFamily="18" charset="0"/>
+                            </a:rPr>
+                            <m:t>1</m:t>
+                          </m:r>
+                        </m:sub>
+                      </m:sSub>
+                    </m:oMath>
+                  </a14:m>
+                  <a:r>
+                    <a:rPr lang="en-US" altLang="zh-CN" sz="1100" dirty="0"/>
+                    <a:t> </a:t>
+                  </a:r>
+                  <a14:m>
+                    <m:oMath xmlns:m="http://schemas.openxmlformats.org/officeDocument/2006/math">
+                      <m:sSub>
+                        <m:sSubPr>
+                          <m:ctrlPr>
+                            <a:rPr lang="en-US" altLang="zh-CN" sz="1100" i="1" dirty="0">
+                              <a:latin typeface="Cambria Math" panose="02040503050406030204" pitchFamily="18" charset="0"/>
+                            </a:rPr>
+                          </m:ctrlPr>
+                        </m:sSubPr>
+                        <m:e>
+                          <m:r>
+                            <a:rPr lang="en-US" altLang="zh-CN" sz="1100" i="1" dirty="0" smtClean="0">
+                              <a:latin typeface="Cambria Math" panose="02040503050406030204" pitchFamily="18" charset="0"/>
+                            </a:rPr>
+                            <m:t>𝑤</m:t>
+                          </m:r>
+                        </m:e>
+                        <m:sub>
+                          <m:r>
+                            <a:rPr lang="en-US" altLang="zh-CN" sz="1100" i="1" dirty="0" smtClean="0">
+                              <a:latin typeface="Cambria Math" panose="02040503050406030204" pitchFamily="18" charset="0"/>
+                            </a:rPr>
+                            <m:t>2</m:t>
+                          </m:r>
+                        </m:sub>
+                      </m:sSub>
+                    </m:oMath>
+                  </a14:m>
+                  <a:r>
+                    <a:rPr lang="en-US" altLang="zh-CN" sz="1100" dirty="0"/>
+                    <a:t> … </a:t>
+                  </a:r>
+                  <a14:m>
+                    <m:oMath xmlns:m="http://schemas.openxmlformats.org/officeDocument/2006/math">
+                      <m:sSub>
+                        <m:sSubPr>
+                          <m:ctrlPr>
+                            <a:rPr lang="en-US" altLang="zh-CN" sz="1100" i="1" dirty="0">
+                              <a:latin typeface="Cambria Math" panose="02040503050406030204" pitchFamily="18" charset="0"/>
+                            </a:rPr>
+                          </m:ctrlPr>
+                        </m:sSubPr>
+                        <m:e>
+                          <m:r>
+                            <a:rPr lang="en-US" altLang="zh-CN" sz="1100" i="1" dirty="0" smtClean="0">
+                              <a:latin typeface="Cambria Math" panose="02040503050406030204" pitchFamily="18" charset="0"/>
+                            </a:rPr>
+                            <m:t>𝑤</m:t>
+                          </m:r>
+                        </m:e>
+                        <m:sub>
+                          <m:r>
+                            <a:rPr lang="en-US" altLang="zh-CN" sz="1100" i="1" dirty="0" smtClean="0">
+                              <a:latin typeface="Cambria Math" panose="02040503050406030204" pitchFamily="18" charset="0"/>
+                            </a:rPr>
+                            <m:t>𝑛</m:t>
+                          </m:r>
+                          <m:r>
+                            <a:rPr lang="en-US" altLang="zh-CN" sz="1100" i="1" dirty="0" smtClean="0">
+                              <a:latin typeface="Cambria Math" panose="02040503050406030204" pitchFamily="18" charset="0"/>
+                            </a:rPr>
+                            <m:t>−1</m:t>
+                          </m:r>
+                        </m:sub>
+                      </m:sSub>
+                    </m:oMath>
+                  </a14:m>
+                  <a:r>
+                    <a:rPr lang="zh-CN" altLang="en-US" sz="1100" dirty="0"/>
+                    <a:t> </a:t>
+                  </a:r>
+                  <a14:m>
+                    <m:oMath xmlns:m="http://schemas.openxmlformats.org/officeDocument/2006/math">
+                      <m:sSub>
+                        <m:sSubPr>
+                          <m:ctrlPr>
+                            <a:rPr lang="en-US" altLang="zh-CN" sz="1100" i="1" dirty="0">
+                              <a:latin typeface="Cambria Math" panose="02040503050406030204" pitchFamily="18" charset="0"/>
+                            </a:rPr>
+                          </m:ctrlPr>
+                        </m:sSubPr>
+                        <m:e>
+                          <m:r>
+                            <a:rPr lang="en-US" altLang="zh-CN" sz="1100" i="1" dirty="0" smtClean="0">
+                              <a:latin typeface="Cambria Math" panose="02040503050406030204" pitchFamily="18" charset="0"/>
+                            </a:rPr>
+                            <m:t>𝑤</m:t>
+                          </m:r>
+                        </m:e>
+                        <m:sub>
+                          <m:r>
+                            <a:rPr lang="en-US" altLang="zh-CN" sz="1100" i="1" dirty="0" smtClean="0">
+                              <a:latin typeface="Cambria Math" panose="02040503050406030204" pitchFamily="18" charset="0"/>
+                            </a:rPr>
+                            <m:t>𝑛</m:t>
+                          </m:r>
+                        </m:sub>
+                      </m:sSub>
+                    </m:oMath>
+                  </a14:m>
+                  <a:endParaRPr lang="zh-CN" altLang="en-US" sz="1100" dirty="0"/>
+                </a:p>
+              </p:txBody>
+            </p:sp>
+          </mc:Choice>
+          <mc:Fallback>
+            <p:sp>
+              <p:nvSpPr>
+                <p:cNvPr id="4" name="矩形: 圆角 3">
+                  <a:extLst>
+                    <a:ext uri="{FF2B5EF4-FFF2-40B4-BE49-F238E27FC236}">
+                      <a16:creationId xmlns:a16="http://schemas.microsoft.com/office/drawing/2014/main" id="{76AD63DA-0675-45D8-AFE2-73C2907E467E}"/>
+                    </a:ext>
+                  </a:extLst>
+                </p:cNvPr>
+                <p:cNvSpPr>
+                  <a:spLocks noRot="1" noChangeAspect="1" noMove="1" noResize="1" noEditPoints="1" noAdjustHandles="1" noChangeArrowheads="1" noChangeShapeType="1" noTextEdit="1"/>
+                </p:cNvSpPr>
+                <p:nvPr/>
+              </p:nvSpPr>
+              <p:spPr>
+                <a:xfrm>
+                  <a:off x="973806" y="4056009"/>
+                  <a:ext cx="4910384" cy="283808"/>
+                </a:xfrm>
+                <a:prstGeom prst="roundRect">
+                  <a:avLst>
+                    <a:gd name="adj" fmla="val 50000"/>
+                  </a:avLst>
+                </a:prstGeom>
+                <a:blipFill>
+                  <a:blip r:embed="rId3"/>
+                  <a:stretch>
+                    <a:fillRect/>
+                  </a:stretch>
+                </a:blipFill>
+                <a:ln w="9525">
+                  <a:solidFill>
+                    <a:schemeClr val="tx1"/>
+                  </a:solidFill>
+                  <a:headEnd type="none" w="med" len="med"/>
+                  <a:tailEnd type="triangle" w="med" len="med"/>
+                </a:ln>
+                <a:effectLst>
+                  <a:outerShdw blurRad="50800" dist="38100" dir="2700000" algn="tl" rotWithShape="0">
+                    <a:prstClr val="black">
+                      <a:alpha val="40000"/>
+                    </a:prstClr>
+                  </a:outerShdw>
+                </a:effectLst>
+              </p:spPr>
+              <p:txBody>
+                <a:bodyPr/>
+                <a:lstStyle/>
+                <a:p>
+                  <a:r>
+                    <a:rPr lang="zh-CN" altLang="en-US">
+                      <a:noFill/>
+                    </a:rPr>
+                    <a:t> </a:t>
+                  </a:r>
+                </a:p>
+              </p:txBody>
+            </p:sp>
+          </mc:Fallback>
+        </mc:AlternateContent>
+        <p:sp>
+          <p:nvSpPr>
+            <p:cNvPr id="87" name="矩形: 圆角 86">
+              <a:extLst>
+                <a:ext uri="{FF2B5EF4-FFF2-40B4-BE49-F238E27FC236}">
+                  <a16:creationId xmlns:a16="http://schemas.microsoft.com/office/drawing/2014/main" id="{C2715085-FC95-4869-A90E-FE520C3D2BF7}"/>
+                </a:ext>
+              </a:extLst>
+            </p:cNvPr>
+            <p:cNvSpPr/>
+            <p:nvPr/>
+          </p:nvSpPr>
+          <p:spPr>
+            <a:xfrm>
+              <a:off x="973808" y="3591392"/>
+              <a:ext cx="4910385" cy="283808"/>
+            </a:xfrm>
+            <a:prstGeom prst="roundRect">
+              <a:avLst>
+                <a:gd name="adj" fmla="val 50000"/>
+              </a:avLst>
+            </a:prstGeom>
+            <a:ln w="9525">
+              <a:solidFill>
+                <a:schemeClr val="tx1"/>
+              </a:solidFill>
+              <a:headEnd type="none" w="med" len="med"/>
+              <a:tailEnd type="triangle" w="med" len="med"/>
+            </a:ln>
+            <a:effectLst>
+              <a:outerShdw blurRad="50800" dist="38100" dir="2700000" algn="tl" rotWithShape="0">
+                <a:prstClr val="black">
+                  <a:alpha val="40000"/>
+                </a:prstClr>
+              </a:outerShdw>
+            </a:effectLst>
+          </p:spPr>
+          <p:style>
+            <a:lnRef idx="2">
+              <a:schemeClr val="dk1"/>
+            </a:lnRef>
+            <a:fillRef idx="1">
+              <a:schemeClr val="lt1"/>
+            </a:fillRef>
+            <a:effectRef idx="0">
+              <a:schemeClr val="dk1"/>
+            </a:effectRef>
+            <a:fontRef idx="minor">
+              <a:schemeClr val="dk1"/>
+            </a:fontRef>
+          </p:style>
+          <p:txBody>
+            <a:bodyPr rtlCol="0" anchor="ctr"/>
+            <a:lstStyle/>
+            <a:p>
+              <a:pPr algn="ctr"/>
+              <a:r>
+                <a:rPr lang="en-US" altLang="zh-CN" sz="1100" dirty="0">
+                  <a:latin typeface="Consolas" panose="020B0609020204030204" pitchFamily="49" charset="0"/>
+                </a:rPr>
+                <a:t>Embedding</a:t>
+              </a:r>
+              <a:endParaRPr lang="zh-CN" altLang="en-US" sz="1100" dirty="0">
+                <a:latin typeface="Consolas" panose="020B0609020204030204" pitchFamily="49" charset="0"/>
+              </a:endParaRPr>
+            </a:p>
+          </p:txBody>
+        </p:sp>
+        <p:cxnSp>
+          <p:nvCxnSpPr>
+            <p:cNvPr id="97" name="直接箭头连接符 96">
+              <a:extLst>
+                <a:ext uri="{FF2B5EF4-FFF2-40B4-BE49-F238E27FC236}">
+                  <a16:creationId xmlns:a16="http://schemas.microsoft.com/office/drawing/2014/main" id="{2B94151C-A032-4536-A78E-C7A9A6110E31}"/>
+                </a:ext>
+              </a:extLst>
+            </p:cNvPr>
+            <p:cNvCxnSpPr>
+              <a:cxnSpLocks/>
+              <a:stCxn id="4" idx="0"/>
+              <a:endCxn id="87" idx="2"/>
+            </p:cNvCxnSpPr>
+            <p:nvPr/>
+          </p:nvCxnSpPr>
+          <p:spPr>
+            <a:xfrm flipV="1">
+              <a:off x="3428998" y="3875200"/>
+              <a:ext cx="3" cy="180809"/>
+            </a:xfrm>
+            <a:prstGeom prst="straightConnector1">
+              <a:avLst/>
+            </a:prstGeom>
+            <a:ln>
+              <a:solidFill>
+                <a:schemeClr val="tx1"/>
+              </a:solidFill>
+              <a:headEnd type="none" w="med" len="med"/>
+              <a:tailEnd type="triangle" w="med" len="med"/>
+            </a:ln>
+            <a:effectLst>
+              <a:outerShdw blurRad="50800" dist="38100" dir="2700000" algn="tl" rotWithShape="0">
+                <a:prstClr val="black">
+                  <a:alpha val="40000"/>
+                </a:prstClr>
+              </a:outerShdw>
+            </a:effectLst>
+          </p:spPr>
+          <p:style>
+            <a:lnRef idx="1">
+              <a:schemeClr val="accent1"/>
+            </a:lnRef>
+            <a:fillRef idx="0">
+              <a:schemeClr val="accent1"/>
+            </a:fillRef>
+            <a:effectRef idx="0">
+              <a:schemeClr val="accent1"/>
+            </a:effectRef>
+            <a:fontRef idx="minor">
+              <a:schemeClr val="tx1"/>
+            </a:fontRef>
+          </p:style>
+        </p:cxnSp>
+        <p:sp>
+          <p:nvSpPr>
+            <p:cNvPr id="116" name="矩形: 圆角 115">
+              <a:extLst>
+                <a:ext uri="{FF2B5EF4-FFF2-40B4-BE49-F238E27FC236}">
+                  <a16:creationId xmlns:a16="http://schemas.microsoft.com/office/drawing/2014/main" id="{1CDD5504-67A1-466A-A531-6769DA0F3734}"/>
+                </a:ext>
+              </a:extLst>
+            </p:cNvPr>
+            <p:cNvSpPr/>
+            <p:nvPr/>
+          </p:nvSpPr>
+          <p:spPr>
+            <a:xfrm>
+              <a:off x="3428998" y="3126774"/>
+              <a:ext cx="2455193" cy="283808"/>
+            </a:xfrm>
+            <a:prstGeom prst="roundRect">
+              <a:avLst>
+                <a:gd name="adj" fmla="val 50000"/>
+              </a:avLst>
+            </a:prstGeom>
+            <a:ln w="9525">
+              <a:solidFill>
+                <a:schemeClr val="tx1"/>
+              </a:solidFill>
+              <a:headEnd type="none" w="med" len="med"/>
+              <a:tailEnd type="triangle" w="med" len="med"/>
+            </a:ln>
+            <a:effectLst>
+              <a:outerShdw blurRad="50800" dist="38100" dir="2700000" algn="tl" rotWithShape="0">
+                <a:prstClr val="black">
+                  <a:alpha val="40000"/>
+                </a:prstClr>
+              </a:outerShdw>
+            </a:effectLst>
+          </p:spPr>
+          <p:style>
+            <a:lnRef idx="2">
+              <a:schemeClr val="dk1"/>
+            </a:lnRef>
+            <a:fillRef idx="1">
+              <a:schemeClr val="lt1"/>
+            </a:fillRef>
+            <a:effectRef idx="0">
+              <a:schemeClr val="dk1"/>
+            </a:effectRef>
+            <a:fontRef idx="minor">
+              <a:schemeClr val="dk1"/>
+            </a:fontRef>
+          </p:style>
+          <p:txBody>
+            <a:bodyPr rtlCol="0" anchor="ctr"/>
+            <a:lstStyle/>
+            <a:p>
+              <a:pPr algn="ctr"/>
+              <a:r>
+                <a:rPr lang="en-US" altLang="zh-CN" sz="1100" dirty="0">
+                  <a:latin typeface="Consolas" panose="020B0609020204030204" pitchFamily="49" charset="0"/>
+                </a:rPr>
+                <a:t>Bidirectional LSTM/GRU</a:t>
+              </a:r>
+              <a:endParaRPr lang="zh-CN" altLang="en-US" sz="1100" dirty="0">
+                <a:latin typeface="Consolas" panose="020B0609020204030204" pitchFamily="49" charset="0"/>
+              </a:endParaRPr>
+            </a:p>
+          </p:txBody>
+        </p:sp>
+        <p:cxnSp>
+          <p:nvCxnSpPr>
+            <p:cNvPr id="121" name="直接箭头连接符 120">
+              <a:extLst>
+                <a:ext uri="{FF2B5EF4-FFF2-40B4-BE49-F238E27FC236}">
+                  <a16:creationId xmlns:a16="http://schemas.microsoft.com/office/drawing/2014/main" id="{0984A870-F5DF-469E-AD96-EF8B67444C9E}"/>
+                </a:ext>
+              </a:extLst>
+            </p:cNvPr>
+            <p:cNvCxnSpPr>
+              <a:cxnSpLocks/>
+              <a:endCxn id="116" idx="2"/>
+            </p:cNvCxnSpPr>
+            <p:nvPr/>
+          </p:nvCxnSpPr>
+          <p:spPr>
+            <a:xfrm flipV="1">
+              <a:off x="4656595" y="3410582"/>
+              <a:ext cx="0" cy="180810"/>
+            </a:xfrm>
+            <a:prstGeom prst="straightConnector1">
+              <a:avLst/>
+            </a:prstGeom>
+            <a:ln>
+              <a:solidFill>
+                <a:schemeClr val="tx1"/>
+              </a:solidFill>
+              <a:headEnd type="none" w="med" len="med"/>
+              <a:tailEnd type="triangle" w="med" len="med"/>
+            </a:ln>
+            <a:effectLst>
+              <a:outerShdw blurRad="50800" dist="38100" dir="2700000" algn="tl" rotWithShape="0">
+                <a:prstClr val="black">
+                  <a:alpha val="40000"/>
+                </a:prstClr>
+              </a:outerShdw>
+            </a:effectLst>
+          </p:spPr>
+          <p:style>
+            <a:lnRef idx="1">
+              <a:schemeClr val="accent1"/>
+            </a:lnRef>
+            <a:fillRef idx="0">
+              <a:schemeClr val="accent1"/>
+            </a:fillRef>
+            <a:effectRef idx="0">
+              <a:schemeClr val="accent1"/>
+            </a:effectRef>
+            <a:fontRef idx="minor">
+              <a:schemeClr val="tx1"/>
+            </a:fontRef>
+          </p:style>
+        </p:cxnSp>
+        <p:sp>
+          <p:nvSpPr>
+            <p:cNvPr id="124" name="矩形: 圆角 123">
+              <a:extLst>
+                <a:ext uri="{FF2B5EF4-FFF2-40B4-BE49-F238E27FC236}">
+                  <a16:creationId xmlns:a16="http://schemas.microsoft.com/office/drawing/2014/main" id="{9FE4A861-FC4D-4473-9641-53D85CD5B63B}"/>
+                </a:ext>
+              </a:extLst>
+            </p:cNvPr>
+            <p:cNvSpPr/>
+            <p:nvPr/>
+          </p:nvSpPr>
+          <p:spPr>
+            <a:xfrm>
+              <a:off x="973806" y="2662157"/>
+              <a:ext cx="4910385" cy="283808"/>
+            </a:xfrm>
+            <a:prstGeom prst="roundRect">
+              <a:avLst>
+                <a:gd name="adj" fmla="val 50000"/>
+              </a:avLst>
+            </a:prstGeom>
+            <a:ln w="9525">
+              <a:solidFill>
+                <a:schemeClr val="tx1"/>
+              </a:solidFill>
+              <a:headEnd type="none" w="med" len="med"/>
+              <a:tailEnd type="triangle" w="med" len="med"/>
+            </a:ln>
+            <a:effectLst>
+              <a:outerShdw blurRad="50800" dist="38100" dir="2700000" algn="tl" rotWithShape="0">
+                <a:prstClr val="black">
+                  <a:alpha val="40000"/>
+                </a:prstClr>
+              </a:outerShdw>
+            </a:effectLst>
+          </p:spPr>
+          <p:style>
+            <a:lnRef idx="2">
+              <a:schemeClr val="dk1"/>
+            </a:lnRef>
+            <a:fillRef idx="1">
+              <a:schemeClr val="lt1"/>
+            </a:fillRef>
+            <a:effectRef idx="0">
+              <a:schemeClr val="dk1"/>
+            </a:effectRef>
+            <a:fontRef idx="minor">
+              <a:schemeClr val="dk1"/>
+            </a:fontRef>
+          </p:style>
+          <p:txBody>
+            <a:bodyPr rtlCol="0" anchor="ctr"/>
+            <a:lstStyle/>
+            <a:p>
+              <a:pPr algn="ctr"/>
+              <a:r>
+                <a:rPr lang="en-US" altLang="zh-CN" sz="1100" dirty="0">
+                  <a:latin typeface="Consolas" panose="020B0609020204030204" pitchFamily="49" charset="0"/>
+                </a:rPr>
+                <a:t>Concatenate</a:t>
+              </a:r>
+              <a:endParaRPr lang="zh-CN" altLang="en-US" sz="1100" dirty="0">
+                <a:latin typeface="Consolas" panose="020B0609020204030204" pitchFamily="49" charset="0"/>
+              </a:endParaRPr>
+            </a:p>
+          </p:txBody>
+        </p:sp>
+        <p:cxnSp>
+          <p:nvCxnSpPr>
+            <p:cNvPr id="129" name="直接箭头连接符 128">
+              <a:extLst>
+                <a:ext uri="{FF2B5EF4-FFF2-40B4-BE49-F238E27FC236}">
+                  <a16:creationId xmlns:a16="http://schemas.microsoft.com/office/drawing/2014/main" id="{9E68E260-B31A-44DD-8597-04F4BE714870}"/>
+                </a:ext>
+              </a:extLst>
+            </p:cNvPr>
+            <p:cNvCxnSpPr>
+              <a:cxnSpLocks/>
+            </p:cNvCxnSpPr>
+            <p:nvPr/>
+          </p:nvCxnSpPr>
+          <p:spPr>
+            <a:xfrm flipH="1" flipV="1">
+              <a:off x="2201399" y="2945964"/>
+              <a:ext cx="2" cy="645428"/>
+            </a:xfrm>
+            <a:prstGeom prst="straightConnector1">
+              <a:avLst/>
+            </a:prstGeom>
+            <a:ln>
+              <a:solidFill>
+                <a:schemeClr val="tx1"/>
+              </a:solidFill>
+              <a:headEnd type="none" w="med" len="med"/>
+              <a:tailEnd type="triangle" w="med" len="med"/>
+            </a:ln>
+            <a:effectLst>
+              <a:outerShdw blurRad="50800" dist="38100" dir="2700000" algn="tl" rotWithShape="0">
+                <a:prstClr val="black">
+                  <a:alpha val="40000"/>
+                </a:prstClr>
+              </a:outerShdw>
+            </a:effectLst>
+          </p:spPr>
+          <p:style>
+            <a:lnRef idx="1">
+              <a:schemeClr val="accent1"/>
+            </a:lnRef>
+            <a:fillRef idx="0">
+              <a:schemeClr val="accent1"/>
+            </a:fillRef>
+            <a:effectRef idx="0">
+              <a:schemeClr val="accent1"/>
+            </a:effectRef>
+            <a:fontRef idx="minor">
+              <a:schemeClr val="tx1"/>
+            </a:fontRef>
+          </p:style>
+        </p:cxnSp>
+        <p:cxnSp>
+          <p:nvCxnSpPr>
+            <p:cNvPr id="133" name="直接箭头连接符 132">
+              <a:extLst>
+                <a:ext uri="{FF2B5EF4-FFF2-40B4-BE49-F238E27FC236}">
+                  <a16:creationId xmlns:a16="http://schemas.microsoft.com/office/drawing/2014/main" id="{C69772D9-7C12-4FC9-B7DF-E4FDEA8270A8}"/>
+                </a:ext>
+              </a:extLst>
+            </p:cNvPr>
+            <p:cNvCxnSpPr>
+              <a:cxnSpLocks/>
+              <a:stCxn id="116" idx="0"/>
+            </p:cNvCxnSpPr>
+            <p:nvPr/>
+          </p:nvCxnSpPr>
+          <p:spPr>
+            <a:xfrm flipV="1">
+              <a:off x="4656595" y="2945964"/>
+              <a:ext cx="0" cy="180810"/>
+            </a:xfrm>
+            <a:prstGeom prst="straightConnector1">
+              <a:avLst/>
+            </a:prstGeom>
+            <a:ln>
+              <a:solidFill>
+                <a:schemeClr val="tx1"/>
+              </a:solidFill>
+              <a:headEnd type="none" w="med" len="med"/>
+              <a:tailEnd type="triangle" w="med" len="med"/>
+            </a:ln>
+            <a:effectLst>
+              <a:outerShdw blurRad="50800" dist="38100" dir="2700000" algn="tl" rotWithShape="0">
+                <a:prstClr val="black">
+                  <a:alpha val="40000"/>
+                </a:prstClr>
+              </a:outerShdw>
+            </a:effectLst>
+          </p:spPr>
+          <p:style>
+            <a:lnRef idx="1">
+              <a:schemeClr val="accent1"/>
+            </a:lnRef>
+            <a:fillRef idx="0">
+              <a:schemeClr val="accent1"/>
+            </a:fillRef>
+            <a:effectRef idx="0">
+              <a:schemeClr val="accent1"/>
+            </a:effectRef>
+            <a:fontRef idx="minor">
+              <a:schemeClr val="tx1"/>
+            </a:fontRef>
+          </p:style>
+        </p:cxnSp>
+        <p:sp>
+          <p:nvSpPr>
+            <p:cNvPr id="136" name="矩形: 圆角 135">
+              <a:extLst>
+                <a:ext uri="{FF2B5EF4-FFF2-40B4-BE49-F238E27FC236}">
+                  <a16:creationId xmlns:a16="http://schemas.microsoft.com/office/drawing/2014/main" id="{93739E43-4448-4A8F-9BD7-944090B4CC88}"/>
+                </a:ext>
+              </a:extLst>
+            </p:cNvPr>
+            <p:cNvSpPr/>
+            <p:nvPr/>
+          </p:nvSpPr>
+          <p:spPr>
+            <a:xfrm>
+              <a:off x="973806" y="2197539"/>
+              <a:ext cx="1497932" cy="283808"/>
+            </a:xfrm>
+            <a:prstGeom prst="roundRect">
+              <a:avLst>
+                <a:gd name="adj" fmla="val 50000"/>
+              </a:avLst>
+            </a:prstGeom>
+            <a:ln w="9525">
+              <a:solidFill>
+                <a:schemeClr val="tx1"/>
+              </a:solidFill>
+              <a:headEnd type="none" w="med" len="med"/>
+              <a:tailEnd type="triangle" w="med" len="med"/>
+            </a:ln>
+            <a:effectLst>
+              <a:outerShdw blurRad="50800" dist="38100" dir="2700000" algn="tl" rotWithShape="0">
+                <a:prstClr val="black">
+                  <a:alpha val="40000"/>
+                </a:prstClr>
+              </a:outerShdw>
+            </a:effectLst>
+          </p:spPr>
+          <p:style>
+            <a:lnRef idx="2">
+              <a:schemeClr val="dk1"/>
+            </a:lnRef>
+            <a:fillRef idx="1">
+              <a:schemeClr val="lt1"/>
+            </a:fillRef>
+            <a:effectRef idx="0">
+              <a:schemeClr val="dk1"/>
+            </a:effectRef>
+            <a:fontRef idx="minor">
+              <a:schemeClr val="dk1"/>
+            </a:fontRef>
+          </p:style>
+          <p:txBody>
+            <a:bodyPr rtlCol="0" anchor="ctr"/>
+            <a:lstStyle/>
+            <a:p>
+              <a:pPr algn="ctr"/>
+              <a:r>
+                <a:rPr lang="en-US" altLang="zh-CN" sz="1100" dirty="0">
+                  <a:latin typeface="Consolas" panose="020B0609020204030204" pitchFamily="49" charset="0"/>
+                </a:rPr>
+                <a:t>Convolution(1)</a:t>
+              </a:r>
+              <a:endParaRPr lang="zh-CN" altLang="en-US" sz="1100" dirty="0">
+                <a:latin typeface="Consolas" panose="020B0609020204030204" pitchFamily="49" charset="0"/>
+              </a:endParaRPr>
+            </a:p>
+          </p:txBody>
+        </p:sp>
+        <p:sp>
+          <p:nvSpPr>
+            <p:cNvPr id="138" name="矩形: 圆角 137">
+              <a:extLst>
+                <a:ext uri="{FF2B5EF4-FFF2-40B4-BE49-F238E27FC236}">
+                  <a16:creationId xmlns:a16="http://schemas.microsoft.com/office/drawing/2014/main" id="{4C2F3418-2EF7-456F-AED1-6731B85B028F}"/>
+                </a:ext>
+              </a:extLst>
+            </p:cNvPr>
+            <p:cNvSpPr/>
+            <p:nvPr/>
+          </p:nvSpPr>
+          <p:spPr>
+            <a:xfrm>
+              <a:off x="973806" y="1732920"/>
+              <a:ext cx="2455191" cy="283808"/>
+            </a:xfrm>
+            <a:prstGeom prst="roundRect">
+              <a:avLst>
+                <a:gd name="adj" fmla="val 50000"/>
+              </a:avLst>
+            </a:prstGeom>
+            <a:ln w="9525">
+              <a:solidFill>
+                <a:schemeClr val="tx1"/>
+              </a:solidFill>
+              <a:headEnd type="none" w="med" len="med"/>
+              <a:tailEnd type="triangle" w="med" len="med"/>
+            </a:ln>
+            <a:effectLst>
+              <a:outerShdw blurRad="50800" dist="38100" dir="2700000" algn="tl" rotWithShape="0">
+                <a:prstClr val="black">
+                  <a:alpha val="40000"/>
+                </a:prstClr>
+              </a:outerShdw>
+            </a:effectLst>
+          </p:spPr>
+          <p:style>
+            <a:lnRef idx="2">
+              <a:schemeClr val="dk1"/>
+            </a:lnRef>
+            <a:fillRef idx="1">
+              <a:schemeClr val="lt1"/>
+            </a:fillRef>
+            <a:effectRef idx="0">
+              <a:schemeClr val="dk1"/>
+            </a:effectRef>
+            <a:fontRef idx="minor">
+              <a:schemeClr val="dk1"/>
+            </a:fontRef>
+          </p:style>
+          <p:txBody>
+            <a:bodyPr rtlCol="0" anchor="ctr"/>
+            <a:lstStyle/>
+            <a:p>
+              <a:pPr algn="ctr"/>
+              <a:r>
+                <a:rPr lang="en-US" altLang="zh-CN" sz="1100" dirty="0">
+                  <a:latin typeface="Consolas" panose="020B0609020204030204" pitchFamily="49" charset="0"/>
+                </a:rPr>
+                <a:t>MaxPooling</a:t>
+              </a:r>
+              <a:endParaRPr lang="zh-CN" altLang="en-US" sz="1100" dirty="0">
+                <a:latin typeface="Consolas" panose="020B0609020204030204" pitchFamily="49" charset="0"/>
+              </a:endParaRPr>
+            </a:p>
+          </p:txBody>
+        </p:sp>
+        <p:sp>
+          <p:nvSpPr>
+            <p:cNvPr id="139" name="矩形: 圆角 138">
+              <a:extLst>
+                <a:ext uri="{FF2B5EF4-FFF2-40B4-BE49-F238E27FC236}">
+                  <a16:creationId xmlns:a16="http://schemas.microsoft.com/office/drawing/2014/main" id="{3CEC3DAD-DB89-4A50-B4B9-C1C75065BA27}"/>
+                </a:ext>
+              </a:extLst>
+            </p:cNvPr>
+            <p:cNvSpPr/>
+            <p:nvPr/>
+          </p:nvSpPr>
+          <p:spPr>
+            <a:xfrm>
+              <a:off x="973806" y="802888"/>
+              <a:ext cx="4910385" cy="283808"/>
+            </a:xfrm>
+            <a:prstGeom prst="roundRect">
+              <a:avLst>
+                <a:gd name="adj" fmla="val 50000"/>
+              </a:avLst>
+            </a:prstGeom>
+            <a:ln w="9525">
+              <a:solidFill>
+                <a:schemeClr val="tx1"/>
+              </a:solidFill>
+              <a:headEnd type="none" w="med" len="med"/>
+              <a:tailEnd type="triangle" w="med" len="med"/>
+            </a:ln>
+            <a:effectLst>
+              <a:outerShdw blurRad="50800" dist="38100" dir="2700000" algn="tl" rotWithShape="0">
+                <a:prstClr val="black">
+                  <a:alpha val="40000"/>
+                </a:prstClr>
+              </a:outerShdw>
+            </a:effectLst>
+          </p:spPr>
+          <p:style>
+            <a:lnRef idx="2">
+              <a:schemeClr val="dk1"/>
+            </a:lnRef>
+            <a:fillRef idx="1">
+              <a:schemeClr val="lt1"/>
+            </a:fillRef>
+            <a:effectRef idx="0">
+              <a:schemeClr val="dk1"/>
+            </a:effectRef>
+            <a:fontRef idx="minor">
+              <a:schemeClr val="dk1"/>
+            </a:fontRef>
+          </p:style>
+          <p:txBody>
+            <a:bodyPr rtlCol="0" anchor="ctr"/>
+            <a:lstStyle/>
+            <a:p>
+              <a:pPr algn="ctr"/>
+              <a:r>
+                <a:rPr lang="en-US" altLang="zh-CN" sz="1100" dirty="0">
+                  <a:latin typeface="Consolas" panose="020B0609020204030204" pitchFamily="49" charset="0"/>
+                </a:rPr>
+                <a:t>FullyConnectedLayer</a:t>
+              </a:r>
+              <a:endParaRPr lang="zh-CN" altLang="en-US" sz="1100" dirty="0">
+                <a:latin typeface="Consolas" panose="020B0609020204030204" pitchFamily="49" charset="0"/>
+              </a:endParaRPr>
+            </a:p>
+          </p:txBody>
+        </p:sp>
+        <p:sp>
+          <p:nvSpPr>
+            <p:cNvPr id="141" name="矩形: 圆角 140">
+              <a:extLst>
+                <a:ext uri="{FF2B5EF4-FFF2-40B4-BE49-F238E27FC236}">
+                  <a16:creationId xmlns:a16="http://schemas.microsoft.com/office/drawing/2014/main" id="{5528891A-772D-4892-B168-D3359CCA10BE}"/>
+                </a:ext>
+              </a:extLst>
+            </p:cNvPr>
+            <p:cNvSpPr/>
+            <p:nvPr/>
+          </p:nvSpPr>
+          <p:spPr>
+            <a:xfrm>
+              <a:off x="973806" y="338270"/>
+              <a:ext cx="4910385" cy="283808"/>
+            </a:xfrm>
+            <a:prstGeom prst="roundRect">
+              <a:avLst>
+                <a:gd name="adj" fmla="val 50000"/>
+              </a:avLst>
+            </a:prstGeom>
+            <a:ln w="9525">
+              <a:solidFill>
+                <a:schemeClr val="tx1"/>
+              </a:solidFill>
+              <a:headEnd type="none" w="med" len="med"/>
+              <a:tailEnd type="triangle" w="med" len="med"/>
+            </a:ln>
+            <a:effectLst>
+              <a:outerShdw blurRad="50800" dist="38100" dir="2700000" algn="tl" rotWithShape="0">
+                <a:prstClr val="black">
+                  <a:alpha val="40000"/>
+                </a:prstClr>
+              </a:outerShdw>
+            </a:effectLst>
+          </p:spPr>
+          <p:style>
+            <a:lnRef idx="2">
+              <a:schemeClr val="dk1"/>
+            </a:lnRef>
+            <a:fillRef idx="1">
+              <a:schemeClr val="lt1"/>
+            </a:fillRef>
+            <a:effectRef idx="0">
+              <a:schemeClr val="dk1"/>
+            </a:effectRef>
+            <a:fontRef idx="minor">
+              <a:schemeClr val="dk1"/>
+            </a:fontRef>
+          </p:style>
+          <p:txBody>
+            <a:bodyPr rtlCol="0" anchor="ctr"/>
+            <a:lstStyle/>
+            <a:p>
+              <a:pPr algn="ctr"/>
+              <a:r>
+                <a:rPr lang="en-US" altLang="zh-CN" sz="1100" dirty="0">
+                  <a:latin typeface="Consolas" panose="020B0609020204030204" pitchFamily="49" charset="0"/>
+                </a:rPr>
+                <a:t>Sigmoid/Softmax</a:t>
+              </a:r>
+              <a:endParaRPr lang="zh-CN" altLang="en-US" sz="1100" dirty="0">
+                <a:latin typeface="Consolas" panose="020B0609020204030204" pitchFamily="49" charset="0"/>
+              </a:endParaRPr>
+            </a:p>
+          </p:txBody>
+        </p:sp>
+        <p:cxnSp>
+          <p:nvCxnSpPr>
+            <p:cNvPr id="142" name="直接箭头连接符 141">
+              <a:extLst>
+                <a:ext uri="{FF2B5EF4-FFF2-40B4-BE49-F238E27FC236}">
+                  <a16:creationId xmlns:a16="http://schemas.microsoft.com/office/drawing/2014/main" id="{7CCDD255-4D7D-46C9-A0F4-76039BCA81A0}"/>
+                </a:ext>
+              </a:extLst>
+            </p:cNvPr>
+            <p:cNvCxnSpPr>
+              <a:cxnSpLocks/>
+              <a:stCxn id="124" idx="0"/>
+              <a:endCxn id="136" idx="2"/>
+            </p:cNvCxnSpPr>
+            <p:nvPr/>
+          </p:nvCxnSpPr>
+          <p:spPr>
+            <a:xfrm flipH="1" flipV="1">
+              <a:off x="1722772" y="2481347"/>
+              <a:ext cx="1706227" cy="180810"/>
+            </a:xfrm>
+            <a:prstGeom prst="straightConnector1">
+              <a:avLst/>
+            </a:prstGeom>
+            <a:ln>
+              <a:solidFill>
+                <a:schemeClr val="tx1"/>
+              </a:solidFill>
+              <a:headEnd type="none" w="med" len="med"/>
+              <a:tailEnd type="triangle" w="med" len="med"/>
+            </a:ln>
+            <a:effectLst>
+              <a:outerShdw blurRad="50800" dist="38100" dir="2700000" algn="tl" rotWithShape="0">
+                <a:prstClr val="black">
+                  <a:alpha val="40000"/>
+                </a:prstClr>
+              </a:outerShdw>
+            </a:effectLst>
+          </p:spPr>
+          <p:style>
+            <a:lnRef idx="1">
+              <a:schemeClr val="accent1"/>
+            </a:lnRef>
+            <a:fillRef idx="0">
+              <a:schemeClr val="accent1"/>
+            </a:fillRef>
+            <a:effectRef idx="0">
+              <a:schemeClr val="accent1"/>
+            </a:effectRef>
+            <a:fontRef idx="minor">
+              <a:schemeClr val="tx1"/>
+            </a:fontRef>
+          </p:style>
+        </p:cxnSp>
+        <p:cxnSp>
+          <p:nvCxnSpPr>
+            <p:cNvPr id="144" name="直接箭头连接符 143">
+              <a:extLst>
+                <a:ext uri="{FF2B5EF4-FFF2-40B4-BE49-F238E27FC236}">
+                  <a16:creationId xmlns:a16="http://schemas.microsoft.com/office/drawing/2014/main" id="{ED6845CB-AC0C-40C3-BD1D-AFE7C198C291}"/>
+                </a:ext>
+              </a:extLst>
+            </p:cNvPr>
+            <p:cNvCxnSpPr>
+              <a:cxnSpLocks/>
+              <a:stCxn id="136" idx="0"/>
+              <a:endCxn id="138" idx="2"/>
+            </p:cNvCxnSpPr>
+            <p:nvPr/>
+          </p:nvCxnSpPr>
+          <p:spPr>
+            <a:xfrm flipV="1">
+              <a:off x="1722772" y="2016728"/>
+              <a:ext cx="478630" cy="180811"/>
+            </a:xfrm>
+            <a:prstGeom prst="straightConnector1">
+              <a:avLst/>
+            </a:prstGeom>
+            <a:ln>
+              <a:solidFill>
+                <a:schemeClr val="tx1"/>
+              </a:solidFill>
+              <a:headEnd type="none" w="med" len="med"/>
+              <a:tailEnd type="triangle" w="med" len="med"/>
+            </a:ln>
+            <a:effectLst>
+              <a:outerShdw blurRad="50800" dist="38100" dir="2700000" algn="tl" rotWithShape="0">
+                <a:prstClr val="black">
+                  <a:alpha val="40000"/>
+                </a:prstClr>
+              </a:outerShdw>
+            </a:effectLst>
+          </p:spPr>
+          <p:style>
+            <a:lnRef idx="1">
+              <a:schemeClr val="accent1"/>
+            </a:lnRef>
+            <a:fillRef idx="0">
+              <a:schemeClr val="accent1"/>
+            </a:fillRef>
+            <a:effectRef idx="0">
+              <a:schemeClr val="accent1"/>
+            </a:effectRef>
+            <a:fontRef idx="minor">
+              <a:schemeClr val="tx1"/>
+            </a:fontRef>
+          </p:style>
+        </p:cxnSp>
+        <p:cxnSp>
+          <p:nvCxnSpPr>
+            <p:cNvPr id="147" name="直接箭头连接符 146">
+              <a:extLst>
+                <a:ext uri="{FF2B5EF4-FFF2-40B4-BE49-F238E27FC236}">
+                  <a16:creationId xmlns:a16="http://schemas.microsoft.com/office/drawing/2014/main" id="{70EA57CF-27CC-4B00-AB56-225669E3A9F4}"/>
+                </a:ext>
+              </a:extLst>
+            </p:cNvPr>
+            <p:cNvCxnSpPr>
+              <a:cxnSpLocks/>
+              <a:stCxn id="138" idx="0"/>
+            </p:cNvCxnSpPr>
+            <p:nvPr/>
+          </p:nvCxnSpPr>
+          <p:spPr>
+            <a:xfrm flipV="1">
+              <a:off x="2201402" y="1548014"/>
+              <a:ext cx="0" cy="184906"/>
+            </a:xfrm>
+            <a:prstGeom prst="straightConnector1">
+              <a:avLst/>
+            </a:prstGeom>
+            <a:ln>
+              <a:solidFill>
+                <a:schemeClr val="tx1"/>
+              </a:solidFill>
+              <a:headEnd type="none" w="med" len="med"/>
+              <a:tailEnd type="triangle" w="med" len="med"/>
+            </a:ln>
+            <a:effectLst>
+              <a:outerShdw blurRad="50800" dist="38100" dir="2700000" algn="tl" rotWithShape="0">
+                <a:prstClr val="black">
+                  <a:alpha val="40000"/>
+                </a:prstClr>
+              </a:outerShdw>
+            </a:effectLst>
+          </p:spPr>
+          <p:style>
+            <a:lnRef idx="1">
+              <a:schemeClr val="accent1"/>
+            </a:lnRef>
+            <a:fillRef idx="0">
+              <a:schemeClr val="accent1"/>
+            </a:fillRef>
+            <a:effectRef idx="0">
+              <a:schemeClr val="accent1"/>
+            </a:effectRef>
+            <a:fontRef idx="minor">
+              <a:schemeClr val="tx1"/>
+            </a:fontRef>
+          </p:style>
+        </p:cxnSp>
+        <p:cxnSp>
+          <p:nvCxnSpPr>
+            <p:cNvPr id="149" name="直接箭头连接符 148">
+              <a:extLst>
+                <a:ext uri="{FF2B5EF4-FFF2-40B4-BE49-F238E27FC236}">
+                  <a16:creationId xmlns:a16="http://schemas.microsoft.com/office/drawing/2014/main" id="{01956D81-8DF4-4D16-A061-669AB3AAA582}"/>
+                </a:ext>
+              </a:extLst>
+            </p:cNvPr>
+            <p:cNvCxnSpPr>
+              <a:cxnSpLocks/>
+              <a:stCxn id="139" idx="0"/>
+              <a:endCxn id="141" idx="2"/>
+            </p:cNvCxnSpPr>
+            <p:nvPr/>
+          </p:nvCxnSpPr>
+          <p:spPr>
+            <a:xfrm flipV="1">
+              <a:off x="3428998" y="622078"/>
+              <a:ext cx="0" cy="180810"/>
+            </a:xfrm>
+            <a:prstGeom prst="straightConnector1">
+              <a:avLst/>
+            </a:prstGeom>
+            <a:ln>
+              <a:solidFill>
+                <a:schemeClr val="tx1"/>
+              </a:solidFill>
+              <a:headEnd type="none" w="med" len="med"/>
+              <a:tailEnd type="triangle" w="med" len="med"/>
+            </a:ln>
+            <a:effectLst>
+              <a:outerShdw blurRad="50800" dist="38100" dir="2700000" algn="tl" rotWithShape="0">
+                <a:prstClr val="black">
+                  <a:alpha val="40000"/>
+                </a:prstClr>
+              </a:outerShdw>
+            </a:effectLst>
+          </p:spPr>
+          <p:style>
+            <a:lnRef idx="1">
+              <a:schemeClr val="accent1"/>
+            </a:lnRef>
+            <a:fillRef idx="0">
+              <a:schemeClr val="accent1"/>
+            </a:fillRef>
+            <a:effectRef idx="0">
+              <a:schemeClr val="accent1"/>
+            </a:effectRef>
+            <a:fontRef idx="minor">
+              <a:schemeClr val="tx1"/>
+            </a:fontRef>
+          </p:style>
+        </p:cxnSp>
+        <p:sp>
+          <p:nvSpPr>
+            <p:cNvPr id="35" name="矩形: 圆角 34">
+              <a:extLst>
+                <a:ext uri="{FF2B5EF4-FFF2-40B4-BE49-F238E27FC236}">
+                  <a16:creationId xmlns:a16="http://schemas.microsoft.com/office/drawing/2014/main" id="{2EDAE16A-F426-4682-B7AB-874A54A415E3}"/>
+                </a:ext>
+              </a:extLst>
+            </p:cNvPr>
+            <p:cNvSpPr/>
+            <p:nvPr/>
+          </p:nvSpPr>
+          <p:spPr>
+            <a:xfrm>
+              <a:off x="4386258" y="2197535"/>
+              <a:ext cx="1497932" cy="283808"/>
+            </a:xfrm>
+            <a:prstGeom prst="roundRect">
+              <a:avLst>
+                <a:gd name="adj" fmla="val 50000"/>
+              </a:avLst>
+            </a:prstGeom>
+            <a:ln w="9525">
+              <a:solidFill>
+                <a:schemeClr val="tx1"/>
+              </a:solidFill>
+              <a:headEnd type="none" w="med" len="med"/>
+              <a:tailEnd type="triangle" w="med" len="med"/>
+            </a:ln>
+            <a:effectLst>
+              <a:outerShdw blurRad="50800" dist="38100" dir="2700000" algn="tl" rotWithShape="0">
+                <a:prstClr val="black">
+                  <a:alpha val="40000"/>
+                </a:prstClr>
+              </a:outerShdw>
+            </a:effectLst>
+          </p:spPr>
+          <p:style>
+            <a:lnRef idx="2">
+              <a:schemeClr val="dk1"/>
+            </a:lnRef>
+            <a:fillRef idx="1">
+              <a:schemeClr val="lt1"/>
+            </a:fillRef>
+            <a:effectRef idx="0">
+              <a:schemeClr val="dk1"/>
+            </a:effectRef>
+            <a:fontRef idx="minor">
+              <a:schemeClr val="dk1"/>
+            </a:fontRef>
+          </p:style>
+          <p:txBody>
+            <a:bodyPr rtlCol="0" anchor="ctr"/>
+            <a:lstStyle/>
+            <a:p>
+              <a:pPr algn="ctr"/>
+              <a:r>
+                <a:rPr lang="en-US" altLang="zh-CN" sz="1100" dirty="0">
+                  <a:latin typeface="Consolas" panose="020B0609020204030204" pitchFamily="49" charset="0"/>
+                </a:rPr>
+                <a:t>Convolution(5)</a:t>
+              </a:r>
+              <a:endParaRPr lang="zh-CN" altLang="en-US" sz="1100" dirty="0">
+                <a:latin typeface="Consolas" panose="020B0609020204030204" pitchFamily="49" charset="0"/>
+              </a:endParaRPr>
+            </a:p>
+          </p:txBody>
+        </p:sp>
+        <p:cxnSp>
+          <p:nvCxnSpPr>
+            <p:cNvPr id="36" name="直接箭头连接符 35">
+              <a:extLst>
+                <a:ext uri="{FF2B5EF4-FFF2-40B4-BE49-F238E27FC236}">
+                  <a16:creationId xmlns:a16="http://schemas.microsoft.com/office/drawing/2014/main" id="{55DD05AA-1A95-404A-AEEF-2D9777DD1C07}"/>
+                </a:ext>
+              </a:extLst>
+            </p:cNvPr>
+            <p:cNvCxnSpPr>
+              <a:cxnSpLocks/>
+              <a:stCxn id="124" idx="0"/>
+              <a:endCxn id="35" idx="2"/>
+            </p:cNvCxnSpPr>
+            <p:nvPr/>
+          </p:nvCxnSpPr>
+          <p:spPr>
+            <a:xfrm flipV="1">
+              <a:off x="3428999" y="2481343"/>
+              <a:ext cx="1706225" cy="180814"/>
+            </a:xfrm>
+            <a:prstGeom prst="straightConnector1">
+              <a:avLst/>
+            </a:prstGeom>
+            <a:ln>
+              <a:solidFill>
+                <a:schemeClr val="tx1"/>
+              </a:solidFill>
+              <a:headEnd type="none" w="med" len="med"/>
+              <a:tailEnd type="triangle" w="med" len="med"/>
+            </a:ln>
+            <a:effectLst>
+              <a:outerShdw blurRad="50800" dist="38100" dir="2700000" algn="tl" rotWithShape="0">
+                <a:prstClr val="black">
+                  <a:alpha val="40000"/>
+                </a:prstClr>
+              </a:outerShdw>
+            </a:effectLst>
+          </p:spPr>
+          <p:style>
+            <a:lnRef idx="1">
+              <a:schemeClr val="accent1"/>
+            </a:lnRef>
+            <a:fillRef idx="0">
+              <a:schemeClr val="accent1"/>
+            </a:fillRef>
+            <a:effectRef idx="0">
+              <a:schemeClr val="accent1"/>
+            </a:effectRef>
+            <a:fontRef idx="minor">
+              <a:schemeClr val="tx1"/>
+            </a:fontRef>
+          </p:style>
+        </p:cxnSp>
+        <p:sp>
+          <p:nvSpPr>
+            <p:cNvPr id="44" name="矩形: 圆角 43">
+              <a:extLst>
+                <a:ext uri="{FF2B5EF4-FFF2-40B4-BE49-F238E27FC236}">
+                  <a16:creationId xmlns:a16="http://schemas.microsoft.com/office/drawing/2014/main" id="{8A5E7BC0-52D7-43AD-ACC3-7454D7902087}"/>
+                </a:ext>
+              </a:extLst>
+            </p:cNvPr>
+            <p:cNvSpPr/>
+            <p:nvPr/>
+          </p:nvSpPr>
+          <p:spPr>
+            <a:xfrm>
+              <a:off x="3428998" y="1732122"/>
+              <a:ext cx="2455192" cy="283808"/>
+            </a:xfrm>
+            <a:prstGeom prst="roundRect">
+              <a:avLst>
+                <a:gd name="adj" fmla="val 50000"/>
+              </a:avLst>
+            </a:prstGeom>
+            <a:ln w="9525">
+              <a:solidFill>
+                <a:schemeClr val="tx1"/>
+              </a:solidFill>
+              <a:headEnd type="none" w="med" len="med"/>
+              <a:tailEnd type="triangle" w="med" len="med"/>
+            </a:ln>
+            <a:effectLst>
+              <a:outerShdw blurRad="50800" dist="38100" dir="2700000" algn="tl" rotWithShape="0">
+                <a:prstClr val="black">
+                  <a:alpha val="40000"/>
+                </a:prstClr>
+              </a:outerShdw>
+            </a:effectLst>
+          </p:spPr>
+          <p:style>
+            <a:lnRef idx="2">
+              <a:schemeClr val="dk1"/>
+            </a:lnRef>
+            <a:fillRef idx="1">
+              <a:schemeClr val="lt1"/>
+            </a:fillRef>
+            <a:effectRef idx="0">
+              <a:schemeClr val="dk1"/>
+            </a:effectRef>
+            <a:fontRef idx="minor">
+              <a:schemeClr val="dk1"/>
+            </a:fontRef>
+          </p:style>
+          <p:txBody>
+            <a:bodyPr rtlCol="0" anchor="ctr"/>
+            <a:lstStyle/>
+            <a:p>
+              <a:pPr algn="ctr"/>
+              <a:r>
+                <a:rPr lang="en-US" altLang="zh-CN" sz="1100" dirty="0">
+                  <a:latin typeface="Consolas" panose="020B0609020204030204" pitchFamily="49" charset="0"/>
+                </a:rPr>
+                <a:t>AveragePooling</a:t>
+              </a:r>
+              <a:endParaRPr lang="zh-CN" altLang="en-US" sz="1100" dirty="0">
+                <a:latin typeface="Consolas" panose="020B0609020204030204" pitchFamily="49" charset="0"/>
+              </a:endParaRPr>
+            </a:p>
+          </p:txBody>
+        </p:sp>
+        <p:cxnSp>
+          <p:nvCxnSpPr>
+            <p:cNvPr id="58" name="直接箭头连接符 57">
+              <a:extLst>
+                <a:ext uri="{FF2B5EF4-FFF2-40B4-BE49-F238E27FC236}">
+                  <a16:creationId xmlns:a16="http://schemas.microsoft.com/office/drawing/2014/main" id="{5FD9A871-C39C-4AD4-B889-8973175A01EA}"/>
+                </a:ext>
+              </a:extLst>
+            </p:cNvPr>
+            <p:cNvCxnSpPr>
+              <a:cxnSpLocks/>
+              <a:stCxn id="136" idx="0"/>
+              <a:endCxn id="44" idx="2"/>
+            </p:cNvCxnSpPr>
+            <p:nvPr/>
+          </p:nvCxnSpPr>
+          <p:spPr>
+            <a:xfrm flipV="1">
+              <a:off x="1722772" y="2015930"/>
+              <a:ext cx="2933822" cy="181609"/>
+            </a:xfrm>
+            <a:prstGeom prst="straightConnector1">
+              <a:avLst/>
+            </a:prstGeom>
+            <a:ln>
+              <a:solidFill>
+                <a:schemeClr val="tx1"/>
+              </a:solidFill>
+              <a:headEnd type="none" w="med" len="med"/>
+              <a:tailEnd type="triangle" w="med" len="med"/>
+            </a:ln>
+            <a:effectLst>
+              <a:outerShdw blurRad="50800" dist="38100" dir="2700000" algn="tl" rotWithShape="0">
+                <a:prstClr val="black">
+                  <a:alpha val="40000"/>
+                </a:prstClr>
+              </a:outerShdw>
+            </a:effectLst>
+          </p:spPr>
+          <p:style>
+            <a:lnRef idx="1">
+              <a:schemeClr val="accent1"/>
+            </a:lnRef>
+            <a:fillRef idx="0">
+              <a:schemeClr val="accent1"/>
+            </a:fillRef>
+            <a:effectRef idx="0">
+              <a:schemeClr val="accent1"/>
+            </a:effectRef>
+            <a:fontRef idx="minor">
+              <a:schemeClr val="tx1"/>
+            </a:fontRef>
+          </p:style>
+        </p:cxnSp>
+        <p:cxnSp>
+          <p:nvCxnSpPr>
+            <p:cNvPr id="75" name="直接箭头连接符 74">
+              <a:extLst>
+                <a:ext uri="{FF2B5EF4-FFF2-40B4-BE49-F238E27FC236}">
+                  <a16:creationId xmlns:a16="http://schemas.microsoft.com/office/drawing/2014/main" id="{75FCC847-A24F-4BC4-A576-23938A5A47B8}"/>
+                </a:ext>
+              </a:extLst>
+            </p:cNvPr>
+            <p:cNvCxnSpPr>
+              <a:cxnSpLocks/>
+              <a:stCxn id="35" idx="0"/>
+              <a:endCxn id="138" idx="2"/>
+            </p:cNvCxnSpPr>
+            <p:nvPr/>
+          </p:nvCxnSpPr>
+          <p:spPr>
+            <a:xfrm flipH="1" flipV="1">
+              <a:off x="2201402" y="2016728"/>
+              <a:ext cx="2933822" cy="180807"/>
+            </a:xfrm>
+            <a:prstGeom prst="straightConnector1">
+              <a:avLst/>
+            </a:prstGeom>
+            <a:ln>
+              <a:solidFill>
+                <a:schemeClr val="tx1"/>
+              </a:solidFill>
+              <a:headEnd type="none" w="med" len="med"/>
+              <a:tailEnd type="triangle" w="med" len="med"/>
+            </a:ln>
+            <a:effectLst>
+              <a:outerShdw blurRad="50800" dist="38100" dir="2700000" algn="tl" rotWithShape="0">
+                <a:prstClr val="black">
+                  <a:alpha val="40000"/>
+                </a:prstClr>
+              </a:outerShdw>
+            </a:effectLst>
+          </p:spPr>
+          <p:style>
+            <a:lnRef idx="1">
+              <a:schemeClr val="accent1"/>
+            </a:lnRef>
+            <a:fillRef idx="0">
+              <a:schemeClr val="accent1"/>
+            </a:fillRef>
+            <a:effectRef idx="0">
+              <a:schemeClr val="accent1"/>
+            </a:effectRef>
+            <a:fontRef idx="minor">
+              <a:schemeClr val="tx1"/>
+            </a:fontRef>
+          </p:style>
+        </p:cxnSp>
+        <p:cxnSp>
+          <p:nvCxnSpPr>
+            <p:cNvPr id="78" name="直接箭头连接符 77">
+              <a:extLst>
+                <a:ext uri="{FF2B5EF4-FFF2-40B4-BE49-F238E27FC236}">
+                  <a16:creationId xmlns:a16="http://schemas.microsoft.com/office/drawing/2014/main" id="{DD136BEF-7C7B-4F53-9DC8-C522CB909775}"/>
+                </a:ext>
+              </a:extLst>
+            </p:cNvPr>
+            <p:cNvCxnSpPr>
+              <a:cxnSpLocks/>
+              <a:stCxn id="35" idx="0"/>
+              <a:endCxn id="44" idx="2"/>
+            </p:cNvCxnSpPr>
+            <p:nvPr/>
+          </p:nvCxnSpPr>
+          <p:spPr>
+            <a:xfrm flipH="1" flipV="1">
+              <a:off x="4656594" y="2015930"/>
+              <a:ext cx="478630" cy="181605"/>
+            </a:xfrm>
+            <a:prstGeom prst="straightConnector1">
+              <a:avLst/>
+            </a:prstGeom>
+            <a:ln>
+              <a:solidFill>
+                <a:schemeClr val="tx1"/>
+              </a:solidFill>
+              <a:headEnd type="none" w="med" len="med"/>
+              <a:tailEnd type="triangle" w="med" len="med"/>
+            </a:ln>
+            <a:effectLst>
+              <a:outerShdw blurRad="50800" dist="38100" dir="2700000" algn="tl" rotWithShape="0">
+                <a:prstClr val="black">
+                  <a:alpha val="40000"/>
+                </a:prstClr>
+              </a:outerShdw>
+            </a:effectLst>
+          </p:spPr>
+          <p:style>
+            <a:lnRef idx="1">
+              <a:schemeClr val="accent1"/>
+            </a:lnRef>
+            <a:fillRef idx="0">
+              <a:schemeClr val="accent1"/>
+            </a:fillRef>
+            <a:effectRef idx="0">
+              <a:schemeClr val="accent1"/>
+            </a:effectRef>
+            <a:fontRef idx="minor">
+              <a:schemeClr val="tx1"/>
+            </a:fontRef>
+          </p:style>
+        </p:cxnSp>
+        <p:sp>
+          <p:nvSpPr>
+            <p:cNvPr id="82" name="矩形: 圆角 81">
+              <a:extLst>
+                <a:ext uri="{FF2B5EF4-FFF2-40B4-BE49-F238E27FC236}">
+                  <a16:creationId xmlns:a16="http://schemas.microsoft.com/office/drawing/2014/main" id="{94F1EFD8-0691-43E7-A3D3-F4930D835A6B}"/>
+                </a:ext>
+              </a:extLst>
+            </p:cNvPr>
+            <p:cNvSpPr/>
+            <p:nvPr/>
+          </p:nvSpPr>
+          <p:spPr>
+            <a:xfrm>
+              <a:off x="973806" y="1264388"/>
+              <a:ext cx="4910385" cy="283808"/>
+            </a:xfrm>
+            <a:prstGeom prst="roundRect">
+              <a:avLst>
+                <a:gd name="adj" fmla="val 50000"/>
+              </a:avLst>
+            </a:prstGeom>
+            <a:ln w="9525">
+              <a:solidFill>
+                <a:schemeClr val="tx1"/>
+              </a:solidFill>
+              <a:headEnd type="none" w="med" len="med"/>
+              <a:tailEnd type="triangle" w="med" len="med"/>
+            </a:ln>
+            <a:effectLst>
+              <a:outerShdw blurRad="50800" dist="38100" dir="2700000" algn="tl" rotWithShape="0">
+                <a:prstClr val="black">
+                  <a:alpha val="40000"/>
+                </a:prstClr>
+              </a:outerShdw>
+            </a:effectLst>
+          </p:spPr>
+          <p:style>
+            <a:lnRef idx="2">
+              <a:schemeClr val="dk1"/>
+            </a:lnRef>
+            <a:fillRef idx="1">
+              <a:schemeClr val="lt1"/>
+            </a:fillRef>
+            <a:effectRef idx="0">
+              <a:schemeClr val="dk1"/>
+            </a:effectRef>
+            <a:fontRef idx="minor">
+              <a:schemeClr val="dk1"/>
+            </a:fontRef>
+          </p:style>
+          <p:txBody>
+            <a:bodyPr rtlCol="0" anchor="ctr"/>
+            <a:lstStyle/>
+            <a:p>
+              <a:pPr algn="ctr"/>
+              <a:r>
+                <a:rPr lang="en-US" altLang="zh-CN" sz="1100" dirty="0">
+                  <a:latin typeface="Consolas" panose="020B0609020204030204" pitchFamily="49" charset="0"/>
+                </a:rPr>
+                <a:t>Concatenate</a:t>
+              </a:r>
+              <a:endParaRPr lang="zh-CN" altLang="en-US" sz="1100" dirty="0">
+                <a:latin typeface="Consolas" panose="020B0609020204030204" pitchFamily="49" charset="0"/>
+              </a:endParaRPr>
+            </a:p>
+          </p:txBody>
+        </p:sp>
+        <p:cxnSp>
+          <p:nvCxnSpPr>
+            <p:cNvPr id="86" name="直接箭头连接符 85">
+              <a:extLst>
+                <a:ext uri="{FF2B5EF4-FFF2-40B4-BE49-F238E27FC236}">
+                  <a16:creationId xmlns:a16="http://schemas.microsoft.com/office/drawing/2014/main" id="{24A37C90-F2BF-4716-BA4B-51A7201606C1}"/>
+                </a:ext>
+              </a:extLst>
+            </p:cNvPr>
+            <p:cNvCxnSpPr>
+              <a:cxnSpLocks/>
+              <a:stCxn id="44" idx="0"/>
+            </p:cNvCxnSpPr>
+            <p:nvPr/>
+          </p:nvCxnSpPr>
+          <p:spPr>
+            <a:xfrm flipV="1">
+              <a:off x="4656594" y="1548014"/>
+              <a:ext cx="0" cy="184108"/>
+            </a:xfrm>
+            <a:prstGeom prst="straightConnector1">
+              <a:avLst/>
+            </a:prstGeom>
+            <a:ln>
+              <a:solidFill>
+                <a:schemeClr val="tx1"/>
+              </a:solidFill>
+              <a:headEnd type="none" w="med" len="med"/>
+              <a:tailEnd type="triangle" w="med" len="med"/>
+            </a:ln>
+            <a:effectLst>
+              <a:outerShdw blurRad="50800" dist="38100" dir="2700000" algn="tl" rotWithShape="0">
+                <a:prstClr val="black">
+                  <a:alpha val="40000"/>
+                </a:prstClr>
+              </a:outerShdw>
+            </a:effectLst>
+          </p:spPr>
+          <p:style>
+            <a:lnRef idx="1">
+              <a:schemeClr val="accent1"/>
+            </a:lnRef>
+            <a:fillRef idx="0">
+              <a:schemeClr val="accent1"/>
+            </a:fillRef>
+            <a:effectRef idx="0">
+              <a:schemeClr val="accent1"/>
+            </a:effectRef>
+            <a:fontRef idx="minor">
+              <a:schemeClr val="tx1"/>
+            </a:fontRef>
+          </p:style>
+        </p:cxnSp>
+        <p:cxnSp>
+          <p:nvCxnSpPr>
+            <p:cNvPr id="90" name="直接箭头连接符 89">
+              <a:extLst>
+                <a:ext uri="{FF2B5EF4-FFF2-40B4-BE49-F238E27FC236}">
+                  <a16:creationId xmlns:a16="http://schemas.microsoft.com/office/drawing/2014/main" id="{27CD9CA2-B637-48A1-9410-7DEFF8E63A79}"/>
+                </a:ext>
+              </a:extLst>
+            </p:cNvPr>
+            <p:cNvCxnSpPr>
+              <a:cxnSpLocks/>
+              <a:stCxn id="82" idx="0"/>
+              <a:endCxn id="139" idx="2"/>
+            </p:cNvCxnSpPr>
+            <p:nvPr/>
+          </p:nvCxnSpPr>
+          <p:spPr>
+            <a:xfrm flipV="1">
+              <a:off x="3428999" y="1086696"/>
+              <a:ext cx="0" cy="177692"/>
+            </a:xfrm>
+            <a:prstGeom prst="straightConnector1">
+              <a:avLst/>
+            </a:prstGeom>
+            <a:ln>
+              <a:solidFill>
+                <a:schemeClr val="tx1"/>
+              </a:solidFill>
+              <a:headEnd type="none" w="med" len="med"/>
+              <a:tailEnd type="triangle" w="med" len="med"/>
+            </a:ln>
+            <a:effectLst>
+              <a:outerShdw blurRad="50800" dist="38100" dir="2700000" algn="tl" rotWithShape="0">
+                <a:prstClr val="black">
+                  <a:alpha val="40000"/>
+                </a:prstClr>
+              </a:outerShdw>
+            </a:effectLst>
+          </p:spPr>
+          <p:style>
+            <a:lnRef idx="1">
+              <a:schemeClr val="accent1"/>
+            </a:lnRef>
+            <a:fillRef idx="0">
+              <a:schemeClr val="accent1"/>
+            </a:fillRef>
+            <a:effectRef idx="0">
+              <a:schemeClr val="accent1"/>
+            </a:effectRef>
+            <a:fontRef idx="minor">
+              <a:schemeClr val="tx1"/>
+            </a:fontRef>
+          </p:style>
+        </p:cxnSp>
+        <p:sp>
+          <p:nvSpPr>
+            <p:cNvPr id="94" name="矩形: 圆角 93">
+              <a:extLst>
+                <a:ext uri="{FF2B5EF4-FFF2-40B4-BE49-F238E27FC236}">
+                  <a16:creationId xmlns:a16="http://schemas.microsoft.com/office/drawing/2014/main" id="{D3F2F6F1-E917-41EF-B6C1-81EA5E23B85D}"/>
+                </a:ext>
+              </a:extLst>
+            </p:cNvPr>
+            <p:cNvSpPr/>
+            <p:nvPr/>
+          </p:nvSpPr>
+          <p:spPr>
+            <a:xfrm>
+              <a:off x="3230099" y="2193623"/>
+              <a:ext cx="397796" cy="283808"/>
+            </a:xfrm>
+            <a:prstGeom prst="roundRect">
+              <a:avLst>
+                <a:gd name="adj" fmla="val 50000"/>
+              </a:avLst>
+            </a:prstGeom>
+            <a:ln w="9525">
+              <a:noFill/>
+              <a:headEnd type="none" w="med" len="med"/>
+              <a:tailEnd type="triangle" w="med" len="med"/>
+            </a:ln>
+            <a:effectLst/>
+          </p:spPr>
+          <p:style>
+            <a:lnRef idx="2">
+              <a:schemeClr val="dk1"/>
+            </a:lnRef>
+            <a:fillRef idx="1">
+              <a:schemeClr val="lt1"/>
+            </a:fillRef>
+            <a:effectRef idx="0">
+              <a:schemeClr val="dk1"/>
+            </a:effectRef>
+            <a:fontRef idx="minor">
+              <a:schemeClr val="dk1"/>
+            </a:fontRef>
+          </p:style>
+          <p:txBody>
+            <a:bodyPr rtlCol="0" anchor="ctr"/>
+            <a:lstStyle/>
+            <a:p>
+              <a:pPr algn="ctr"/>
+              <a:r>
+                <a:rPr lang="en-US" altLang="zh-CN" sz="1100" b="1" dirty="0"/>
+                <a:t>…</a:t>
+              </a:r>
+              <a:endParaRPr lang="zh-CN" altLang="en-US" sz="1100" b="1" dirty="0"/>
+            </a:p>
+          </p:txBody>
+        </p:sp>
+      </p:grpSp>
+    </p:spTree>
+    <p:extLst>
+      <p:ext uri="{BB962C8B-B14F-4D97-AF65-F5344CB8AC3E}">
+        <p14:creationId xmlns:p14="http://schemas.microsoft.com/office/powerpoint/2010/main" val="1910440274"/>
+      </p:ext>
+    </p:extLst>
+  </p:cSld>
+  <p:clrMapOvr>
+    <a:masterClrMapping/>
+  </p:clrMapOvr>
+</p:sld>
+</file>
+
 <file path=ppt/theme/theme1.xml><?xml version="1.0" encoding="utf-8"?>
 <a:theme xmlns:a="http://schemas.openxmlformats.org/drawingml/2006/main" name="Office 主题​​">
   <a:themeElements>
